--- a/Excel/Compliance_and_Completeness/Compliance_Completeness_Overview.pptx
+++ b/Excel/Compliance_and_Completeness/Compliance_Completeness_Overview.pptx
@@ -806,9 +806,9 @@
             <c:numRef>
               <c:f>'2_W_Match'!$B$5:$B$7</c:f>
               <c:numCache>
-                <c:formatCode>_(* #,##0_);_(* \(#,##0\);_(* "-"??_);_(@_)</c:formatCode>
+                <c:formatCode>General</c:formatCode>
                 <c:ptCount val="2"/>
-                <c:pt idx="0">
+                <c:pt idx="0" formatCode="_(* #,##0_);_(* \(#,##0\);_(* &quot;-&quot;??_);_(@_)">
                   <c:v>287</c:v>
                 </c:pt>
               </c:numCache>
@@ -1829,9 +1829,9 @@
             <c:numRef>
               <c:f>'3_W_M_Inv_aft_GR'!$B$5:$B$7</c:f>
               <c:numCache>
-                <c:formatCode>_(* #,##0_);_(* \(#,##0\);_(* "-"??_);_(@_)</c:formatCode>
+                <c:formatCode>General</c:formatCode>
                 <c:ptCount val="2"/>
-                <c:pt idx="0">
+                <c:pt idx="0" formatCode="_(* #,##0_);_(* \(#,##0\);_(* &quot;-&quot;??_);_(@_)">
                   <c:v>7804</c:v>
                 </c:pt>
               </c:numCache>
@@ -2852,9 +2852,9 @@
             <c:numRef>
               <c:f>'3_W_M_Inv_bef_GR'!$B$5:$B$7</c:f>
               <c:numCache>
-                <c:formatCode>_(* #,##0_);_(* \(#,##0\);_(* "-"??_);_(@_)</c:formatCode>
+                <c:formatCode>General</c:formatCode>
                 <c:ptCount val="2"/>
-                <c:pt idx="0">
+                <c:pt idx="0" formatCode="_(* #,##0_);_(* \(#,##0\);_(* &quot;-&quot;??_);_(@_)">
                   <c:v>168096</c:v>
                 </c:pt>
               </c:numCache>
@@ -3208,7 +3208,7 @@
   <c:clrMapOvr bg1="lt1" tx1="dk1" bg2="lt2" tx2="dk2" accent1="accent1" accent2="accent2" accent3="accent3" accent4="accent4" accent5="accent5" accent6="accent6" hlink="hlink" folHlink="folHlink"/>
   <c:pivotSource>
     <c:name>[Case_Completeness.xlsx]Consignment!PivotTable4</c:name>
-    <c:fmtId val="5"/>
+    <c:fmtId val="-1"/>
   </c:pivotSource>
   <c:chart>
     <c:autoTitleDeleted val="0"/>
@@ -3476,6 +3476,15 @@
               <a:endParaRPr lang="en-US"/>
             </a:p>
           </c:txPr>
+          <c:showLegendKey val="1"/>
+          <c:showVal val="1"/>
+          <c:showCatName val="1"/>
+          <c:showSerName val="1"/>
+          <c:showPercent val="1"/>
+          <c:showBubbleSize val="1"/>
+          <c:extLst>
+            <c:ext xmlns:c15="http://schemas.microsoft.com/office/drawing/2012/chart" uri="{CE6537A1-D6FC-4f65-9D91-7224C49458BB}"/>
+          </c:extLst>
         </c:dLbl>
       </c:pivotFmt>
       <c:pivotFmt>
@@ -3810,7 +3819,7 @@
             <c:numRef>
               <c:f>Consignment!$B$5:$B$7</c:f>
               <c:numCache>
-                <c:formatCode>General</c:formatCode>
+                <c:formatCode>_(* #,##0_);_(* \(#,##0\);_(* "-"??_);_(@_)</c:formatCode>
                 <c:ptCount val="2"/>
                 <c:pt idx="0">
                   <c:v>13397</c:v>
@@ -3924,7 +3933,7 @@
             <c:numRef>
               <c:f>Consignment!$C$5:$C$7</c:f>
               <c:numCache>
-                <c:formatCode>General</c:formatCode>
+                <c:formatCode>_(* #,##0_);_(* \(#,##0\);_(* "-"??_);_(@_)</c:formatCode>
                 <c:ptCount val="2"/>
                 <c:pt idx="0">
                   <c:v>68</c:v>
@@ -4026,7 +4035,7 @@
             <a:effectLst/>
           </c:spPr>
         </c:majorGridlines>
-        <c:numFmt formatCode="General" sourceLinked="1"/>
+        <c:numFmt formatCode="_(* #,##0_);_(* \(#,##0\);_(* &quot;-&quot;??_);_(@_)" sourceLinked="1"/>
         <c:majorTickMark val="none"/>
         <c:minorTickMark val="none"/>
         <c:tickLblPos val="nextTo"/>
@@ -6509,7 +6518,7 @@
           <a:p>
             <a:fld id="{1BA50D42-C9CD-4801-B293-61D1F53EC57E}" type="datetimeFigureOut">
               <a:rPr lang="de-DE" smtClean="0"/>
-              <a:t>18.05.2019</a:t>
+              <a:t>23.05.2019</a:t>
             </a:fld>
             <a:endParaRPr lang="de-DE"/>
           </a:p>
@@ -6672,7 +6681,7 @@
           <a:p>
             <a:fld id="{1BA50D42-C9CD-4801-B293-61D1F53EC57E}" type="datetimeFigureOut">
               <a:rPr lang="de-DE" smtClean="0"/>
-              <a:t>18.05.2019</a:t>
+              <a:t>23.05.2019</a:t>
             </a:fld>
             <a:endParaRPr lang="de-DE"/>
           </a:p>
@@ -6845,7 +6854,7 @@
           <a:p>
             <a:fld id="{1BA50D42-C9CD-4801-B293-61D1F53EC57E}" type="datetimeFigureOut">
               <a:rPr lang="de-DE" smtClean="0"/>
-              <a:t>18.05.2019</a:t>
+              <a:t>23.05.2019</a:t>
             </a:fld>
             <a:endParaRPr lang="de-DE"/>
           </a:p>
@@ -7008,7 +7017,7 @@
           <a:p>
             <a:fld id="{1BA50D42-C9CD-4801-B293-61D1F53EC57E}" type="datetimeFigureOut">
               <a:rPr lang="de-DE" smtClean="0"/>
-              <a:t>18.05.2019</a:t>
+              <a:t>23.05.2019</a:t>
             </a:fld>
             <a:endParaRPr lang="de-DE"/>
           </a:p>
@@ -7248,7 +7257,7 @@
           <a:p>
             <a:fld id="{1BA50D42-C9CD-4801-B293-61D1F53EC57E}" type="datetimeFigureOut">
               <a:rPr lang="de-DE" smtClean="0"/>
-              <a:t>18.05.2019</a:t>
+              <a:t>23.05.2019</a:t>
             </a:fld>
             <a:endParaRPr lang="de-DE"/>
           </a:p>
@@ -7528,7 +7537,7 @@
           <a:p>
             <a:fld id="{1BA50D42-C9CD-4801-B293-61D1F53EC57E}" type="datetimeFigureOut">
               <a:rPr lang="de-DE" smtClean="0"/>
-              <a:t>18.05.2019</a:t>
+              <a:t>23.05.2019</a:t>
             </a:fld>
             <a:endParaRPr lang="de-DE"/>
           </a:p>
@@ -7942,7 +7951,7 @@
           <a:p>
             <a:fld id="{1BA50D42-C9CD-4801-B293-61D1F53EC57E}" type="datetimeFigureOut">
               <a:rPr lang="de-DE" smtClean="0"/>
-              <a:t>18.05.2019</a:t>
+              <a:t>23.05.2019</a:t>
             </a:fld>
             <a:endParaRPr lang="de-DE"/>
           </a:p>
@@ -8054,7 +8063,7 @@
           <a:p>
             <a:fld id="{1BA50D42-C9CD-4801-B293-61D1F53EC57E}" type="datetimeFigureOut">
               <a:rPr lang="de-DE" smtClean="0"/>
-              <a:t>18.05.2019</a:t>
+              <a:t>23.05.2019</a:t>
             </a:fld>
             <a:endParaRPr lang="de-DE"/>
           </a:p>
@@ -8144,7 +8153,7 @@
           <a:p>
             <a:fld id="{1BA50D42-C9CD-4801-B293-61D1F53EC57E}" type="datetimeFigureOut">
               <a:rPr lang="de-DE" smtClean="0"/>
-              <a:t>18.05.2019</a:t>
+              <a:t>23.05.2019</a:t>
             </a:fld>
             <a:endParaRPr lang="de-DE"/>
           </a:p>
@@ -8414,7 +8423,7 @@
           <a:p>
             <a:fld id="{1BA50D42-C9CD-4801-B293-61D1F53EC57E}" type="datetimeFigureOut">
               <a:rPr lang="de-DE" smtClean="0"/>
-              <a:t>18.05.2019</a:t>
+              <a:t>23.05.2019</a:t>
             </a:fld>
             <a:endParaRPr lang="de-DE"/>
           </a:p>
@@ -8661,7 +8670,7 @@
           <a:p>
             <a:fld id="{1BA50D42-C9CD-4801-B293-61D1F53EC57E}" type="datetimeFigureOut">
               <a:rPr lang="de-DE" smtClean="0"/>
-              <a:t>18.05.2019</a:t>
+              <a:t>23.05.2019</a:t>
             </a:fld>
             <a:endParaRPr lang="de-DE"/>
           </a:p>
@@ -8867,7 +8876,7 @@
           <a:p>
             <a:fld id="{1BA50D42-C9CD-4801-B293-61D1F53EC57E}" type="datetimeFigureOut">
               <a:rPr lang="de-DE" smtClean="0"/>
-              <a:t>18.05.2019</a:t>
+              <a:t>23.05.2019</a:t>
             </a:fld>
             <a:endParaRPr lang="de-DE"/>
           </a:p>
@@ -9573,7 +9582,7 @@
           <p:nvPr>
             <p:extLst>
               <p:ext uri="{D42A27DB-BD31-4B8C-83A1-F6EECF244321}">
-                <p14:modId xmlns:p14="http://schemas.microsoft.com/office/powerpoint/2010/main" val="3838434353"/>
+                <p14:modId xmlns:p14="http://schemas.microsoft.com/office/powerpoint/2010/main" val="3704280133"/>
               </p:ext>
             </p:extLst>
           </p:nvPr>
